--- a/HMS_Full_Project_Report1[1].pptx
+++ b/HMS_Full_Project_Report1[1].pptx
@@ -47,318 +47,9 @@
 <p1510:revInfo xmlns:a="http://schemas.openxmlformats.org/drawingml/2006/main" xmlns:r="http://schemas.openxmlformats.org/officeDocument/2006/relationships" xmlns:p1510="http://schemas.microsoft.com/office/powerpoint/2015/10/main">
   <p1510:revLst>
     <p1510:client id="{13EB8AD6-921C-4512-A8AF-C0C9D8D28BE3}" v="46" dt="2025-11-27T16:47:57.745"/>
+    <p1510:client id="{2A6E4542-C9EC-49FF-A25F-F436F15CF4E3}" v="1" dt="2025-11-27T16:52:30.922"/>
   </p1510:revLst>
 </p1510:revInfo>
-</file>
-
-<file path=ppt/changesInfos/changesInfo1.xml><?xml version="1.0" encoding="utf-8"?>
-<pc:chgInfo xmlns:a="http://schemas.openxmlformats.org/drawingml/2006/main" xmlns:r="http://schemas.openxmlformats.org/officeDocument/2006/relationships" xmlns:ac="http://schemas.microsoft.com/office/drawing/2013/main/command" xmlns:pc="http://schemas.microsoft.com/office/powerpoint/2013/main/command">
-  <pc:docChgLst>
-    <pc:chgData name="monish khan" userId="7d517e5bd47fe860" providerId="LiveId" clId="{95A44572-F08D-43B6-B23E-E527C3AA927E}"/>
-    <pc:docChg chg="undo custSel addSld delSld modSld">
-      <pc:chgData name="monish khan" userId="7d517e5bd47fe860" providerId="LiveId" clId="{95A44572-F08D-43B6-B23E-E527C3AA927E}" dt="2025-11-27T16:48:42.819" v="3414" actId="2696"/>
-      <pc:docMkLst>
-        <pc:docMk/>
-      </pc:docMkLst>
-      <pc:sldChg chg="modSp mod">
-        <pc:chgData name="monish khan" userId="7d517e5bd47fe860" providerId="LiveId" clId="{95A44572-F08D-43B6-B23E-E527C3AA927E}" dt="2025-11-27T15:03:05.277" v="65" actId="5793"/>
-        <pc:sldMkLst>
-          <pc:docMk/>
-          <pc:sldMk cId="0" sldId="256"/>
-        </pc:sldMkLst>
-        <pc:spChg chg="mod">
-          <ac:chgData name="monish khan" userId="7d517e5bd47fe860" providerId="LiveId" clId="{95A44572-F08D-43B6-B23E-E527C3AA927E}" dt="2025-11-27T15:03:05.277" v="65" actId="5793"/>
-          <ac:spMkLst>
-            <pc:docMk/>
-            <pc:sldMk cId="0" sldId="256"/>
-            <ac:spMk id="3" creationId="{00000000-0000-0000-0000-000000000000}"/>
-          </ac:spMkLst>
-        </pc:spChg>
-      </pc:sldChg>
-      <pc:sldChg chg="addSp delSp modSp mod">
-        <pc:chgData name="monish khan" userId="7d517e5bd47fe860" providerId="LiveId" clId="{95A44572-F08D-43B6-B23E-E527C3AA927E}" dt="2025-11-27T16:46:40.656" v="3402" actId="1076"/>
-        <pc:sldMkLst>
-          <pc:docMk/>
-          <pc:sldMk cId="0" sldId="257"/>
-        </pc:sldMkLst>
-        <pc:spChg chg="mod">
-          <ac:chgData name="monish khan" userId="7d517e5bd47fe860" providerId="LiveId" clId="{95A44572-F08D-43B6-B23E-E527C3AA927E}" dt="2025-11-27T16:04:15.313" v="2699" actId="20577"/>
-          <ac:spMkLst>
-            <pc:docMk/>
-            <pc:sldMk cId="0" sldId="257"/>
-            <ac:spMk id="2" creationId="{00000000-0000-0000-0000-000000000000}"/>
-          </ac:spMkLst>
-        </pc:spChg>
-        <pc:spChg chg="add del mod">
-          <ac:chgData name="monish khan" userId="7d517e5bd47fe860" providerId="LiveId" clId="{95A44572-F08D-43B6-B23E-E527C3AA927E}" dt="2025-11-27T16:07:26.449" v="2770"/>
-          <ac:spMkLst>
-            <pc:docMk/>
-            <pc:sldMk cId="0" sldId="257"/>
-            <ac:spMk id="3" creationId="{91B4243E-8881-AC3A-0A79-014B26049D63}"/>
-          </ac:spMkLst>
-        </pc:spChg>
-        <pc:spChg chg="add del mod">
-          <ac:chgData name="monish khan" userId="7d517e5bd47fe860" providerId="LiveId" clId="{95A44572-F08D-43B6-B23E-E527C3AA927E}" dt="2025-11-27T16:10:01.286" v="2961"/>
-          <ac:spMkLst>
-            <pc:docMk/>
-            <pc:sldMk cId="0" sldId="257"/>
-            <ac:spMk id="4" creationId="{F0CF5FE5-9158-F5FC-338D-E838956B2015}"/>
-          </ac:spMkLst>
-        </pc:spChg>
-        <pc:spChg chg="add del mod">
-          <ac:chgData name="monish khan" userId="7d517e5bd47fe860" providerId="LiveId" clId="{95A44572-F08D-43B6-B23E-E527C3AA927E}" dt="2025-11-27T16:17:13.763" v="3307"/>
-          <ac:spMkLst>
-            <pc:docMk/>
-            <pc:sldMk cId="0" sldId="257"/>
-            <ac:spMk id="5" creationId="{915E5F45-A49F-976D-B114-623718D9F689}"/>
-          </ac:spMkLst>
-        </pc:spChg>
-        <pc:spChg chg="add mod">
-          <ac:chgData name="monish khan" userId="7d517e5bd47fe860" providerId="LiveId" clId="{95A44572-F08D-43B6-B23E-E527C3AA927E}" dt="2025-11-27T16:35:55.928" v="3312" actId="767"/>
-          <ac:spMkLst>
-            <pc:docMk/>
-            <pc:sldMk cId="0" sldId="257"/>
-            <ac:spMk id="8" creationId="{D5F1FD42-4509-2B5F-54AC-5FF68F49C33A}"/>
-          </ac:spMkLst>
-        </pc:spChg>
-        <pc:picChg chg="add mod">
-          <ac:chgData name="monish khan" userId="7d517e5bd47fe860" providerId="LiveId" clId="{95A44572-F08D-43B6-B23E-E527C3AA927E}" dt="2025-11-27T16:19:53.036" v="3310" actId="1076"/>
-          <ac:picMkLst>
-            <pc:docMk/>
-            <pc:sldMk cId="0" sldId="257"/>
-            <ac:picMk id="7" creationId="{CFB8AFC8-AF95-50C3-34F9-C454317A5567}"/>
-          </ac:picMkLst>
-        </pc:picChg>
-        <pc:picChg chg="add mod">
-          <ac:chgData name="monish khan" userId="7d517e5bd47fe860" providerId="LiveId" clId="{95A44572-F08D-43B6-B23E-E527C3AA927E}" dt="2025-11-27T16:37:21.899" v="3334" actId="931"/>
-          <ac:picMkLst>
-            <pc:docMk/>
-            <pc:sldMk cId="0" sldId="257"/>
-            <ac:picMk id="10" creationId="{7F7948E2-F485-D2CE-2997-FCE092D32253}"/>
-          </ac:picMkLst>
-        </pc:picChg>
-        <pc:picChg chg="add mod">
-          <ac:chgData name="monish khan" userId="7d517e5bd47fe860" providerId="LiveId" clId="{95A44572-F08D-43B6-B23E-E527C3AA927E}" dt="2025-11-27T16:46:40.656" v="3402" actId="1076"/>
-          <ac:picMkLst>
-            <pc:docMk/>
-            <pc:sldMk cId="0" sldId="257"/>
-            <ac:picMk id="12" creationId="{3185FB92-4B1E-89E1-E37D-62AEB82200B1}"/>
-          </ac:picMkLst>
-        </pc:picChg>
-      </pc:sldChg>
-      <pc:sldChg chg="modSp mod">
-        <pc:chgData name="monish khan" userId="7d517e5bd47fe860" providerId="LiveId" clId="{95A44572-F08D-43B6-B23E-E527C3AA927E}" dt="2025-11-27T15:01:16.496" v="50" actId="20577"/>
-        <pc:sldMkLst>
-          <pc:docMk/>
-          <pc:sldMk cId="0" sldId="259"/>
-        </pc:sldMkLst>
-        <pc:spChg chg="mod">
-          <ac:chgData name="monish khan" userId="7d517e5bd47fe860" providerId="LiveId" clId="{95A44572-F08D-43B6-B23E-E527C3AA927E}" dt="2025-11-27T15:01:16.496" v="50" actId="20577"/>
-          <ac:spMkLst>
-            <pc:docMk/>
-            <pc:sldMk cId="0" sldId="259"/>
-            <ac:spMk id="7" creationId="{00000000-0000-0000-0000-000000000000}"/>
-          </ac:spMkLst>
-        </pc:spChg>
-      </pc:sldChg>
-      <pc:sldChg chg="new del">
-        <pc:chgData name="monish khan" userId="7d517e5bd47fe860" providerId="LiveId" clId="{95A44572-F08D-43B6-B23E-E527C3AA927E}" dt="2025-11-27T16:48:42.819" v="3414" actId="2696"/>
-        <pc:sldMkLst>
-          <pc:docMk/>
-          <pc:sldMk cId="941649076" sldId="261"/>
-        </pc:sldMkLst>
-      </pc:sldChg>
-      <pc:sldChg chg="addSp modSp new mod">
-        <pc:chgData name="monish khan" userId="7d517e5bd47fe860" providerId="LiveId" clId="{95A44572-F08D-43B6-B23E-E527C3AA927E}" dt="2025-11-27T15:32:27.023" v="1515" actId="20577"/>
-        <pc:sldMkLst>
-          <pc:docMk/>
-          <pc:sldMk cId="1182000410" sldId="262"/>
-        </pc:sldMkLst>
-        <pc:spChg chg="add mod">
-          <ac:chgData name="monish khan" userId="7d517e5bd47fe860" providerId="LiveId" clId="{95A44572-F08D-43B6-B23E-E527C3AA927E}" dt="2025-11-27T15:19:18.593" v="908" actId="1076"/>
-          <ac:spMkLst>
-            <pc:docMk/>
-            <pc:sldMk cId="1182000410" sldId="262"/>
-            <ac:spMk id="2" creationId="{4C506E5F-F7A4-C95F-1E8A-D75488D17A6F}"/>
-          </ac:spMkLst>
-        </pc:spChg>
-        <pc:spChg chg="add mod">
-          <ac:chgData name="monish khan" userId="7d517e5bd47fe860" providerId="LiveId" clId="{95A44572-F08D-43B6-B23E-E527C3AA927E}" dt="2025-11-27T15:05:27.496" v="126" actId="20577"/>
-          <ac:spMkLst>
-            <pc:docMk/>
-            <pc:sldMk cId="1182000410" sldId="262"/>
-            <ac:spMk id="3" creationId="{195D72B3-1ECC-8B8D-E976-072288F287F0}"/>
-          </ac:spMkLst>
-        </pc:spChg>
-        <pc:spChg chg="add mod">
-          <ac:chgData name="monish khan" userId="7d517e5bd47fe860" providerId="LiveId" clId="{95A44572-F08D-43B6-B23E-E527C3AA927E}" dt="2025-11-27T15:31:12.761" v="1366" actId="20577"/>
-          <ac:spMkLst>
-            <pc:docMk/>
-            <pc:sldMk cId="1182000410" sldId="262"/>
-            <ac:spMk id="4" creationId="{066FDF24-3646-4CCA-8988-8BBE97555B51}"/>
-          </ac:spMkLst>
-        </pc:spChg>
-        <pc:spChg chg="add mod">
-          <ac:chgData name="monish khan" userId="7d517e5bd47fe860" providerId="LiveId" clId="{95A44572-F08D-43B6-B23E-E527C3AA927E}" dt="2025-11-27T15:18:37.822" v="905" actId="12"/>
-          <ac:spMkLst>
-            <pc:docMk/>
-            <pc:sldMk cId="1182000410" sldId="262"/>
-            <ac:spMk id="5" creationId="{20190348-39E7-65CA-E653-5B724160B4FF}"/>
-          </ac:spMkLst>
-        </pc:spChg>
-        <pc:spChg chg="add mod">
-          <ac:chgData name="monish khan" userId="7d517e5bd47fe860" providerId="LiveId" clId="{95A44572-F08D-43B6-B23E-E527C3AA927E}" dt="2025-11-27T15:30:32.397" v="1337" actId="20577"/>
-          <ac:spMkLst>
-            <pc:docMk/>
-            <pc:sldMk cId="1182000410" sldId="262"/>
-            <ac:spMk id="6" creationId="{071C6A2A-910A-1284-B4AD-8B7AD99046E7}"/>
-          </ac:spMkLst>
-        </pc:spChg>
-        <pc:spChg chg="add mod">
-          <ac:chgData name="monish khan" userId="7d517e5bd47fe860" providerId="LiveId" clId="{95A44572-F08D-43B6-B23E-E527C3AA927E}" dt="2025-11-27T15:23:38.612" v="1032" actId="14100"/>
-          <ac:spMkLst>
-            <pc:docMk/>
-            <pc:sldMk cId="1182000410" sldId="262"/>
-            <ac:spMk id="7" creationId="{84BF2D08-6529-F003-F955-4A88484512B1}"/>
-          </ac:spMkLst>
-        </pc:spChg>
-        <pc:spChg chg="add mod">
-          <ac:chgData name="monish khan" userId="7d517e5bd47fe860" providerId="LiveId" clId="{95A44572-F08D-43B6-B23E-E527C3AA927E}" dt="2025-11-27T15:32:27.023" v="1515" actId="20577"/>
-          <ac:spMkLst>
-            <pc:docMk/>
-            <pc:sldMk cId="1182000410" sldId="262"/>
-            <ac:spMk id="8" creationId="{A2A17598-DFA8-CD4E-09AB-8F0C5D4FCF90}"/>
-          </ac:spMkLst>
-        </pc:spChg>
-      </pc:sldChg>
-      <pc:sldChg chg="new del mod modShow">
-        <pc:chgData name="monish khan" userId="7d517e5bd47fe860" providerId="LiveId" clId="{95A44572-F08D-43B6-B23E-E527C3AA927E}" dt="2025-11-27T15:02:27.894" v="55" actId="2696"/>
-        <pc:sldMkLst>
-          <pc:docMk/>
-          <pc:sldMk cId="3775634100" sldId="262"/>
-        </pc:sldMkLst>
-      </pc:sldChg>
-      <pc:sldChg chg="addSp modSp new mod">
-        <pc:chgData name="monish khan" userId="7d517e5bd47fe860" providerId="LiveId" clId="{95A44572-F08D-43B6-B23E-E527C3AA927E}" dt="2025-11-27T16:03:41.587" v="2674" actId="20577"/>
-        <pc:sldMkLst>
-          <pc:docMk/>
-          <pc:sldMk cId="3214776862" sldId="263"/>
-        </pc:sldMkLst>
-        <pc:spChg chg="add mod">
-          <ac:chgData name="monish khan" userId="7d517e5bd47fe860" providerId="LiveId" clId="{95A44572-F08D-43B6-B23E-E527C3AA927E}" dt="2025-11-27T15:54:21.809" v="2050" actId="1076"/>
-          <ac:spMkLst>
-            <pc:docMk/>
-            <pc:sldMk cId="3214776862" sldId="263"/>
-            <ac:spMk id="2" creationId="{A8DFD698-25A5-AC1B-810F-BB3B5DF23CEF}"/>
-          </ac:spMkLst>
-        </pc:spChg>
-        <pc:spChg chg="add mod">
-          <ac:chgData name="monish khan" userId="7d517e5bd47fe860" providerId="LiveId" clId="{95A44572-F08D-43B6-B23E-E527C3AA927E}" dt="2025-11-27T15:48:55.107" v="1614" actId="14100"/>
-          <ac:spMkLst>
-            <pc:docMk/>
-            <pc:sldMk cId="3214776862" sldId="263"/>
-            <ac:spMk id="3" creationId="{C2F2004F-2BE9-6BC7-040B-9732AE695296}"/>
-          </ac:spMkLst>
-        </pc:spChg>
-        <pc:spChg chg="add mod">
-          <ac:chgData name="monish khan" userId="7d517e5bd47fe860" providerId="LiveId" clId="{95A44572-F08D-43B6-B23E-E527C3AA927E}" dt="2025-11-27T15:52:52.367" v="2049" actId="20577"/>
-          <ac:spMkLst>
-            <pc:docMk/>
-            <pc:sldMk cId="3214776862" sldId="263"/>
-            <ac:spMk id="4" creationId="{AB20F7C1-2A3D-6AF0-6ADE-650258D3ECB8}"/>
-          </ac:spMkLst>
-        </pc:spChg>
-        <pc:spChg chg="add mod">
-          <ac:chgData name="monish khan" userId="7d517e5bd47fe860" providerId="LiveId" clId="{95A44572-F08D-43B6-B23E-E527C3AA927E}" dt="2025-11-27T15:54:50.415" v="2072" actId="12"/>
-          <ac:spMkLst>
-            <pc:docMk/>
-            <pc:sldMk cId="3214776862" sldId="263"/>
-            <ac:spMk id="5" creationId="{34A9E7D0-8A42-C4EE-5B02-9D6AAC443999}"/>
-          </ac:spMkLst>
-        </pc:spChg>
-        <pc:spChg chg="add mod">
-          <ac:chgData name="monish khan" userId="7d517e5bd47fe860" providerId="LiveId" clId="{95A44572-F08D-43B6-B23E-E527C3AA927E}" dt="2025-11-27T15:58:53.325" v="2563" actId="20577"/>
-          <ac:spMkLst>
-            <pc:docMk/>
-            <pc:sldMk cId="3214776862" sldId="263"/>
-            <ac:spMk id="6" creationId="{96AECE9B-62D9-861A-CE77-245CEE3FD590}"/>
-          </ac:spMkLst>
-        </pc:spChg>
-        <pc:spChg chg="add mod">
-          <ac:chgData name="monish khan" userId="7d517e5bd47fe860" providerId="LiveId" clId="{95A44572-F08D-43B6-B23E-E527C3AA927E}" dt="2025-11-27T16:01:14.991" v="2594" actId="14100"/>
-          <ac:spMkLst>
-            <pc:docMk/>
-            <pc:sldMk cId="3214776862" sldId="263"/>
-            <ac:spMk id="7" creationId="{7D43173E-1956-F6FA-5F03-48DC49FF080F}"/>
-          </ac:spMkLst>
-        </pc:spChg>
-        <pc:spChg chg="add mod">
-          <ac:chgData name="monish khan" userId="7d517e5bd47fe860" providerId="LiveId" clId="{95A44572-F08D-43B6-B23E-E527C3AA927E}" dt="2025-11-27T16:03:41.587" v="2674" actId="20577"/>
-          <ac:spMkLst>
-            <pc:docMk/>
-            <pc:sldMk cId="3214776862" sldId="263"/>
-            <ac:spMk id="8" creationId="{F6DDDF78-3725-D6D5-F6E9-143518D39252}"/>
-          </ac:spMkLst>
-        </pc:spChg>
-      </pc:sldChg>
-      <pc:sldChg chg="addSp modSp new mod">
-        <pc:chgData name="monish khan" userId="7d517e5bd47fe860" providerId="LiveId" clId="{95A44572-F08D-43B6-B23E-E527C3AA927E}" dt="2025-11-27T16:48:33.140" v="3413" actId="14100"/>
-        <pc:sldMkLst>
-          <pc:docMk/>
-          <pc:sldMk cId="2649497867" sldId="264"/>
-        </pc:sldMkLst>
-        <pc:spChg chg="add mod">
-          <ac:chgData name="monish khan" userId="7d517e5bd47fe860" providerId="LiveId" clId="{95A44572-F08D-43B6-B23E-E527C3AA927E}" dt="2025-11-27T16:47:07.355" v="3407" actId="1036"/>
-          <ac:spMkLst>
-            <pc:docMk/>
-            <pc:sldMk cId="2649497867" sldId="264"/>
-            <ac:spMk id="4" creationId="{FBA60F10-E44A-95A7-0BC0-5C7526B3EE51}"/>
-          </ac:spMkLst>
-        </pc:spChg>
-        <pc:spChg chg="add mod">
-          <ac:chgData name="monish khan" userId="7d517e5bd47fe860" providerId="LiveId" clId="{95A44572-F08D-43B6-B23E-E527C3AA927E}" dt="2025-11-27T16:48:33.140" v="3413" actId="14100"/>
-          <ac:spMkLst>
-            <pc:docMk/>
-            <pc:sldMk cId="2649497867" sldId="264"/>
-            <ac:spMk id="11" creationId="{A18142E8-3FB3-9550-A9F4-3CB82C9BE3E0}"/>
-          </ac:spMkLst>
-        </pc:spChg>
-        <pc:picChg chg="add mod">
-          <ac:chgData name="monish khan" userId="7d517e5bd47fe860" providerId="LiveId" clId="{95A44572-F08D-43B6-B23E-E527C3AA927E}" dt="2025-11-27T16:41:11.889" v="3354" actId="1076"/>
-          <ac:picMkLst>
-            <pc:docMk/>
-            <pc:sldMk cId="2649497867" sldId="264"/>
-            <ac:picMk id="3" creationId="{ECFC0442-F856-2841-116F-C8C4309B217F}"/>
-          </ac:picMkLst>
-        </pc:picChg>
-        <pc:picChg chg="add mod">
-          <ac:chgData name="monish khan" userId="7d517e5bd47fe860" providerId="LiveId" clId="{95A44572-F08D-43B6-B23E-E527C3AA927E}" dt="2025-11-27T16:44:57.688" v="3388" actId="1076"/>
-          <ac:picMkLst>
-            <pc:docMk/>
-            <pc:sldMk cId="2649497867" sldId="264"/>
-            <ac:picMk id="6" creationId="{F3DD53D4-6333-F396-3808-C7DBBDE915FC}"/>
-          </ac:picMkLst>
-        </pc:picChg>
-        <pc:picChg chg="add mod">
-          <ac:chgData name="monish khan" userId="7d517e5bd47fe860" providerId="LiveId" clId="{95A44572-F08D-43B6-B23E-E527C3AA927E}" dt="2025-11-27T16:45:27.588" v="3394" actId="1036"/>
-          <ac:picMkLst>
-            <pc:docMk/>
-            <pc:sldMk cId="2649497867" sldId="264"/>
-            <ac:picMk id="8" creationId="{2BD12935-C76B-3D36-3DDC-0862AB50C5DC}"/>
-          </ac:picMkLst>
-        </pc:picChg>
-        <pc:picChg chg="add mod">
-          <ac:chgData name="monish khan" userId="7d517e5bd47fe860" providerId="LiveId" clId="{95A44572-F08D-43B6-B23E-E527C3AA927E}" dt="2025-11-27T16:47:00.892" v="3405" actId="1076"/>
-          <ac:picMkLst>
-            <pc:docMk/>
-            <pc:sldMk cId="2649497867" sldId="264"/>
-            <ac:picMk id="10" creationId="{9492CC14-2CCF-FAD6-4CAB-BE705D5F0A0D}"/>
-          </ac:picMkLst>
-        </pc:picChg>
-      </pc:sldChg>
-    </pc:docChg>
-  </pc:docChgLst>
-</pc:chgInfo>
 </file>
 
 <file path=ppt/notesMasters/notesMaster1.xml><?xml version="1.0" encoding="utf-8"?>
@@ -5786,56 +5477,6 @@
       </p:sp>
       <p:sp>
         <p:nvSpPr>
-          <p:cNvPr id="14" name="object 14"/>
-          <p:cNvSpPr txBox="1"/>
-          <p:nvPr/>
-        </p:nvSpPr>
-        <p:spPr>
-          <a:xfrm>
-            <a:off x="977900" y="5626099"/>
-            <a:ext cx="2159635" cy="238760"/>
-          </a:xfrm>
-          <a:prstGeom prst="rect">
-            <a:avLst/>
-          </a:prstGeom>
-        </p:spPr>
-        <p:txBody>
-          <a:bodyPr vert="horz" wrap="square" lIns="0" tIns="12700" rIns="0" bIns="0" rtlCol="0">
-            <a:spAutoFit/>
-          </a:bodyPr>
-          <a:lstStyle/>
-          <a:p>
-            <a:pPr marL="12700">
-              <a:lnSpc>
-                <a:spcPct val="100000"/>
-              </a:lnSpc>
-              <a:spcBef>
-                <a:spcPts val="100"/>
-              </a:spcBef>
-            </a:pPr>
-            <a:r>
-              <a:rPr sz="1400" b="1" dirty="0">
-                <a:latin typeface="Arial"/>
-                <a:cs typeface="Arial"/>
-              </a:rPr>
-              <a:t>Data Flow Diagram </a:t>
-            </a:r>
-            <a:r>
-              <a:rPr sz="1400" b="1" spc="-10" dirty="0">
-                <a:latin typeface="Arial"/>
-                <a:cs typeface="Arial"/>
-              </a:rPr>
-              <a:t>(DFD)</a:t>
-            </a:r>
-            <a:endParaRPr sz="1400" dirty="0">
-              <a:latin typeface="Arial"/>
-              <a:cs typeface="Arial"/>
-            </a:endParaRPr>
-          </a:p>
-        </p:txBody>
-      </p:sp>
-      <p:sp>
-        <p:nvSpPr>
           <p:cNvPr id="24" name="Rectangle 23"/>
           <p:cNvSpPr/>
           <p:nvPr/>
@@ -5918,10 +5559,10 @@
       </p:pic>
       <p:pic>
         <p:nvPicPr>
-          <p:cNvPr id="12" name="Picture 11" descr="A diagram of a medical system&#10;&#10;AI-generated content may be incorrect.">
+          <p:cNvPr id="4" name="Picture 3" descr="A diagram of a medical procedure&#10;&#10;AI-generated content may be incorrect.">
             <a:extLst>
               <a:ext uri="{FF2B5EF4-FFF2-40B4-BE49-F238E27FC236}">
-                <a16:creationId xmlns:a16="http://schemas.microsoft.com/office/drawing/2014/main" id="{3185FB92-4B1E-89E1-E37D-62AEB82200B1}"/>
+                <a16:creationId xmlns:a16="http://schemas.microsoft.com/office/drawing/2014/main" id="{0804070F-165F-B902-BBCB-F15218F73FF7}"/>
               </a:ext>
             </a:extLst>
           </p:cNvPr>
@@ -5931,7 +5572,7 @@
           <p:nvPr/>
         </p:nvPicPr>
         <p:blipFill>
-          <a:blip r:embed="rId3">
+          <a:blip r:embed="rId3" cstate="print">
             <a:extLst>
               <a:ext uri="{28A0092B-C50C-407E-A947-70E740481C1C}">
                 <a14:useLocalDpi xmlns:a14="http://schemas.microsoft.com/office/drawing/2010/main" val="0"/>
@@ -5944,8 +5585,8 @@
         </p:blipFill>
         <p:spPr>
           <a:xfrm>
-            <a:off x="530860" y="5955291"/>
-            <a:ext cx="6229350" cy="3810000"/>
+            <a:off x="692150" y="5803900"/>
+            <a:ext cx="6019800" cy="3738033"/>
           </a:xfrm>
           <a:prstGeom prst="rect">
             <a:avLst/>
